--- a/Impact on social media on the lives young.pptx
+++ b/Impact on social media on the lives young.pptx
@@ -112,6 +112,11 @@
       </a:defRPr>
     </a:lvl9pPr>
   </p:defaultTextStyle>
+  <p:extLst>
+    <p:ext uri="{EFAFB233-063F-42B5-8137-9DF3F51BA10A}">
+      <p15:sldGuideLst xmlns:p15="http://schemas.microsoft.com/office/powerpoint/2012/main"/>
+    </p:ext>
+  </p:extLst>
 </p:presentation>
 </file>
 
@@ -261,38 +266,37 @@
           <a:p>
             <a:pPr lvl="0"/>
             <a:r>
-              <a:rPr lang="en-US" smtClean="0"/>
+              <a:rPr lang="en-US"/>
               <a:t>Edit Master text styles</a:t>
             </a:r>
           </a:p>
           <a:p>
             <a:pPr lvl="1"/>
             <a:r>
-              <a:rPr lang="en-US" smtClean="0"/>
+              <a:rPr lang="en-US"/>
               <a:t>Second level</a:t>
             </a:r>
           </a:p>
           <a:p>
             <a:pPr lvl="2"/>
             <a:r>
-              <a:rPr lang="en-US" smtClean="0"/>
+              <a:rPr lang="en-US"/>
               <a:t>Third level</a:t>
             </a:r>
           </a:p>
           <a:p>
             <a:pPr lvl="3"/>
             <a:r>
-              <a:rPr lang="en-US" smtClean="0"/>
+              <a:rPr lang="en-US"/>
               <a:t>Fourth level</a:t>
             </a:r>
           </a:p>
           <a:p>
             <a:pPr lvl="4"/>
             <a:r>
-              <a:rPr lang="en-US" smtClean="0"/>
+              <a:rPr lang="en-US"/>
               <a:t>Fifth level</a:t>
             </a:r>
-            <a:endParaRPr lang="en-US"/>
           </a:p>
         </p:txBody>
       </p:sp>
@@ -806,7 +810,7 @@
           </a:lstStyle>
           <a:p>
             <a:r>
-              <a:rPr lang="en-US" smtClean="0"/>
+              <a:rPr lang="en-US"/>
               <a:t>Click to edit Master title style</a:t>
             </a:r>
             <a:endParaRPr lang="en-US" dirty="0"/>
@@ -879,7 +883,7 @@
           </a:lstStyle>
           <a:p>
             <a:r>
-              <a:rPr lang="en-US" smtClean="0"/>
+              <a:rPr lang="en-US"/>
               <a:t>Click to edit Master subtitle style</a:t>
             </a:r>
             <a:endParaRPr lang="en-US" dirty="0"/>
@@ -1084,7 +1088,7 @@
           </a:lstStyle>
           <a:p>
             <a:r>
-              <a:rPr lang="en-US" smtClean="0"/>
+              <a:rPr lang="en-US"/>
               <a:t>Click to edit Master title style</a:t>
             </a:r>
             <a:endParaRPr lang="en-US" dirty="0"/>
@@ -1157,7 +1161,7 @@
           </a:lstStyle>
           <a:p>
             <a:r>
-              <a:rPr lang="en-US" smtClean="0"/>
+              <a:rPr lang="en-US"/>
               <a:t>Click icon to add picture</a:t>
             </a:r>
             <a:endParaRPr lang="en-US" dirty="0"/>
@@ -1223,7 +1227,7 @@
           <a:p>
             <a:pPr lvl="0"/>
             <a:r>
-              <a:rPr lang="en-US" smtClean="0"/>
+              <a:rPr lang="en-US"/>
               <a:t>Edit Master text styles</a:t>
             </a:r>
           </a:p>
@@ -1346,7 +1350,7 @@
           </a:lstStyle>
           <a:p>
             <a:r>
-              <a:rPr lang="en-US" smtClean="0"/>
+              <a:rPr lang="en-US"/>
               <a:t>Click to edit Master title style</a:t>
             </a:r>
             <a:endParaRPr lang="en-US" dirty="0"/>
@@ -1414,7 +1418,7 @@
           <a:p>
             <a:pPr lvl="0"/>
             <a:r>
-              <a:rPr lang="en-US" smtClean="0"/>
+              <a:rPr lang="en-US"/>
               <a:t>Edit Master text styles</a:t>
             </a:r>
           </a:p>
@@ -1537,7 +1541,7 @@
           </a:lstStyle>
           <a:p>
             <a:r>
-              <a:rPr lang="en-US" smtClean="0"/>
+              <a:rPr lang="en-US"/>
               <a:t>Click to edit Master title style</a:t>
             </a:r>
             <a:endParaRPr lang="en-US" dirty="0"/>
@@ -1612,7 +1616,7 @@
           <a:p>
             <a:pPr lvl="0"/>
             <a:r>
-              <a:rPr lang="en-US" smtClean="0"/>
+              <a:rPr lang="en-US"/>
               <a:t>Edit Master text styles</a:t>
             </a:r>
           </a:p>
@@ -1679,7 +1683,7 @@
           <a:p>
             <a:pPr lvl="0"/>
             <a:r>
-              <a:rPr lang="en-US" smtClean="0"/>
+              <a:rPr lang="en-US"/>
               <a:t>Edit Master text styles</a:t>
             </a:r>
           </a:p>
@@ -2034,7 +2038,7 @@
           </a:lstStyle>
           <a:p>
             <a:r>
-              <a:rPr lang="en-US" smtClean="0"/>
+              <a:rPr lang="en-US"/>
               <a:t>Click to edit Master title style</a:t>
             </a:r>
             <a:endParaRPr lang="en-US" dirty="0"/>
@@ -2102,7 +2106,7 @@
           <a:p>
             <a:pPr lvl="0"/>
             <a:r>
-              <a:rPr lang="en-US" smtClean="0"/>
+              <a:rPr lang="en-US"/>
               <a:t>Edit Master text styles</a:t>
             </a:r>
           </a:p>
@@ -2223,7 +2227,7 @@
           </a:lstStyle>
           <a:p>
             <a:r>
-              <a:rPr lang="en-US" smtClean="0"/>
+              <a:rPr lang="en-US"/>
               <a:t>Click to edit Master title style</a:t>
             </a:r>
             <a:endParaRPr lang="en-US" dirty="0"/>
@@ -2298,7 +2302,7 @@
           <a:p>
             <a:pPr lvl="0"/>
             <a:r>
-              <a:rPr lang="en-US" smtClean="0"/>
+              <a:rPr lang="en-US"/>
               <a:t>Edit Master text styles</a:t>
             </a:r>
           </a:p>
@@ -2365,7 +2369,7 @@
           <a:p>
             <a:pPr lvl="0"/>
             <a:r>
-              <a:rPr lang="en-US" smtClean="0"/>
+              <a:rPr lang="en-US"/>
               <a:t>Edit Master text styles</a:t>
             </a:r>
           </a:p>
@@ -2439,7 +2443,7 @@
           <a:p>
             <a:pPr lvl="0"/>
             <a:r>
-              <a:rPr lang="en-US" smtClean="0"/>
+              <a:rPr lang="en-US"/>
               <a:t>Edit Master text styles</a:t>
             </a:r>
           </a:p>
@@ -2506,7 +2510,7 @@
           <a:p>
             <a:pPr lvl="0"/>
             <a:r>
-              <a:rPr lang="en-US" smtClean="0"/>
+              <a:rPr lang="en-US"/>
               <a:t>Edit Master text styles</a:t>
             </a:r>
           </a:p>
@@ -2580,7 +2584,7 @@
           <a:p>
             <a:pPr lvl="0"/>
             <a:r>
-              <a:rPr lang="en-US" smtClean="0"/>
+              <a:rPr lang="en-US"/>
               <a:t>Edit Master text styles</a:t>
             </a:r>
           </a:p>
@@ -2647,7 +2651,7 @@
           <a:p>
             <a:pPr lvl="0"/>
             <a:r>
-              <a:rPr lang="en-US" smtClean="0"/>
+              <a:rPr lang="en-US"/>
               <a:t>Edit Master text styles</a:t>
             </a:r>
           </a:p>
@@ -2768,7 +2772,7 @@
           </a:lstStyle>
           <a:p>
             <a:r>
-              <a:rPr lang="en-US" smtClean="0"/>
+              <a:rPr lang="en-US"/>
               <a:t>Click to edit Master title style</a:t>
             </a:r>
             <a:endParaRPr lang="en-US" dirty="0"/>
@@ -2843,7 +2847,7 @@
           <a:p>
             <a:pPr lvl="0"/>
             <a:r>
-              <a:rPr lang="en-US" smtClean="0"/>
+              <a:rPr lang="en-US"/>
               <a:t>Edit Master text styles</a:t>
             </a:r>
           </a:p>
@@ -2922,7 +2926,7 @@
           </a:lstStyle>
           <a:p>
             <a:r>
-              <a:rPr lang="en-US" smtClean="0"/>
+              <a:rPr lang="en-US"/>
               <a:t>Click icon to add picture</a:t>
             </a:r>
             <a:endParaRPr lang="en-US" dirty="0"/>
@@ -2990,7 +2994,7 @@
           <a:p>
             <a:pPr lvl="0"/>
             <a:r>
-              <a:rPr lang="en-US" smtClean="0"/>
+              <a:rPr lang="en-US"/>
               <a:t>Edit Master text styles</a:t>
             </a:r>
           </a:p>
@@ -3064,7 +3068,7 @@
           <a:p>
             <a:pPr lvl="0"/>
             <a:r>
-              <a:rPr lang="en-US" smtClean="0"/>
+              <a:rPr lang="en-US"/>
               <a:t>Edit Master text styles</a:t>
             </a:r>
           </a:p>
@@ -3143,7 +3147,7 @@
           </a:lstStyle>
           <a:p>
             <a:r>
-              <a:rPr lang="en-US" smtClean="0"/>
+              <a:rPr lang="en-US"/>
               <a:t>Click icon to add picture</a:t>
             </a:r>
             <a:endParaRPr lang="en-US" dirty="0"/>
@@ -3211,7 +3215,7 @@
           <a:p>
             <a:pPr lvl="0"/>
             <a:r>
-              <a:rPr lang="en-US" smtClean="0"/>
+              <a:rPr lang="en-US"/>
               <a:t>Edit Master text styles</a:t>
             </a:r>
           </a:p>
@@ -3285,7 +3289,7 @@
           <a:p>
             <a:pPr lvl="0"/>
             <a:r>
-              <a:rPr lang="en-US" smtClean="0"/>
+              <a:rPr lang="en-US"/>
               <a:t>Edit Master text styles</a:t>
             </a:r>
           </a:p>
@@ -3364,7 +3368,7 @@
           </a:lstStyle>
           <a:p>
             <a:r>
-              <a:rPr lang="en-US" smtClean="0"/>
+              <a:rPr lang="en-US"/>
               <a:t>Click icon to add picture</a:t>
             </a:r>
             <a:endParaRPr lang="en-US" dirty="0"/>
@@ -3432,7 +3436,7 @@
           <a:p>
             <a:pPr lvl="0"/>
             <a:r>
-              <a:rPr lang="en-US" smtClean="0"/>
+              <a:rPr lang="en-US"/>
               <a:t>Edit Master text styles</a:t>
             </a:r>
           </a:p>
@@ -3548,7 +3552,7 @@
           </a:lstStyle>
           <a:p>
             <a:r>
-              <a:rPr lang="en-US" smtClean="0"/>
+              <a:rPr lang="en-US"/>
               <a:t>Click to edit Master title style</a:t>
             </a:r>
             <a:endParaRPr lang="en-US" dirty="0"/>
@@ -3577,35 +3581,35 @@
           <a:p>
             <a:pPr lvl="0"/>
             <a:r>
-              <a:rPr lang="en-US" smtClean="0"/>
+              <a:rPr lang="en-US"/>
               <a:t>Edit Master text styles</a:t>
             </a:r>
           </a:p>
           <a:p>
             <a:pPr lvl="1"/>
             <a:r>
-              <a:rPr lang="en-US" smtClean="0"/>
+              <a:rPr lang="en-US"/>
               <a:t>Second level</a:t>
             </a:r>
           </a:p>
           <a:p>
             <a:pPr lvl="2"/>
             <a:r>
-              <a:rPr lang="en-US" smtClean="0"/>
+              <a:rPr lang="en-US"/>
               <a:t>Third level</a:t>
             </a:r>
           </a:p>
           <a:p>
             <a:pPr lvl="3"/>
             <a:r>
-              <a:rPr lang="en-US" smtClean="0"/>
+              <a:rPr lang="en-US"/>
               <a:t>Fourth level</a:t>
             </a:r>
           </a:p>
           <a:p>
             <a:pPr lvl="4"/>
             <a:r>
-              <a:rPr lang="en-US" smtClean="0"/>
+              <a:rPr lang="en-US"/>
               <a:t>Fifth level</a:t>
             </a:r>
             <a:endParaRPr lang="en-US" dirty="0"/>
@@ -3727,7 +3731,7 @@
           </a:lstStyle>
           <a:p>
             <a:r>
-              <a:rPr lang="en-US" smtClean="0"/>
+              <a:rPr lang="en-US"/>
               <a:t>Click to edit Master title style</a:t>
             </a:r>
             <a:endParaRPr lang="en-US" dirty="0"/>
@@ -3756,35 +3760,35 @@
           <a:p>
             <a:pPr lvl="0"/>
             <a:r>
-              <a:rPr lang="en-US" smtClean="0"/>
+              <a:rPr lang="en-US"/>
               <a:t>Edit Master text styles</a:t>
             </a:r>
           </a:p>
           <a:p>
             <a:pPr lvl="1"/>
             <a:r>
-              <a:rPr lang="en-US" smtClean="0"/>
+              <a:rPr lang="en-US"/>
               <a:t>Second level</a:t>
             </a:r>
           </a:p>
           <a:p>
             <a:pPr lvl="2"/>
             <a:r>
-              <a:rPr lang="en-US" smtClean="0"/>
+              <a:rPr lang="en-US"/>
               <a:t>Third level</a:t>
             </a:r>
           </a:p>
           <a:p>
             <a:pPr lvl="3"/>
             <a:r>
-              <a:rPr lang="en-US" smtClean="0"/>
+              <a:rPr lang="en-US"/>
               <a:t>Fourth level</a:t>
             </a:r>
           </a:p>
           <a:p>
             <a:pPr lvl="4"/>
             <a:r>
-              <a:rPr lang="en-US" smtClean="0"/>
+              <a:rPr lang="en-US"/>
               <a:t>Fifth level</a:t>
             </a:r>
             <a:endParaRPr lang="en-US" dirty="0"/>
@@ -3897,7 +3901,7 @@
           <a:lstStyle/>
           <a:p>
             <a:r>
-              <a:rPr lang="en-US" smtClean="0"/>
+              <a:rPr lang="en-US"/>
               <a:t>Click to edit Master title style</a:t>
             </a:r>
             <a:endParaRPr lang="en-US" dirty="0"/>
@@ -3926,35 +3930,35 @@
           <a:p>
             <a:pPr lvl="0"/>
             <a:r>
-              <a:rPr lang="en-US" smtClean="0"/>
+              <a:rPr lang="en-US"/>
               <a:t>Edit Master text styles</a:t>
             </a:r>
           </a:p>
           <a:p>
             <a:pPr lvl="1"/>
             <a:r>
-              <a:rPr lang="en-US" smtClean="0"/>
+              <a:rPr lang="en-US"/>
               <a:t>Second level</a:t>
             </a:r>
           </a:p>
           <a:p>
             <a:pPr lvl="2"/>
             <a:r>
-              <a:rPr lang="en-US" smtClean="0"/>
+              <a:rPr lang="en-US"/>
               <a:t>Third level</a:t>
             </a:r>
           </a:p>
           <a:p>
             <a:pPr lvl="3"/>
             <a:r>
-              <a:rPr lang="en-US" smtClean="0"/>
+              <a:rPr lang="en-US"/>
               <a:t>Fourth level</a:t>
             </a:r>
           </a:p>
           <a:p>
             <a:pPr lvl="4"/>
             <a:r>
-              <a:rPr lang="en-US" smtClean="0"/>
+              <a:rPr lang="en-US"/>
               <a:t>Fifth level</a:t>
             </a:r>
             <a:endParaRPr lang="en-US" dirty="0"/>
@@ -4078,7 +4082,7 @@
           </a:lstStyle>
           <a:p>
             <a:r>
-              <a:rPr lang="en-US" smtClean="0"/>
+              <a:rPr lang="en-US"/>
               <a:t>Click to edit Master title style</a:t>
             </a:r>
             <a:endParaRPr lang="en-US" dirty="0"/>
@@ -4200,7 +4204,7 @@
           <a:p>
             <a:pPr lvl="0"/>
             <a:r>
-              <a:rPr lang="en-US" smtClean="0"/>
+              <a:rPr lang="en-US"/>
               <a:t>Edit Master text styles</a:t>
             </a:r>
           </a:p>
@@ -4317,7 +4321,7 @@
           <a:lstStyle/>
           <a:p>
             <a:r>
-              <a:rPr lang="en-US" smtClean="0"/>
+              <a:rPr lang="en-US"/>
               <a:t>Click to edit Master title style</a:t>
             </a:r>
             <a:endParaRPr lang="en-US" dirty="0"/>
@@ -4346,35 +4350,35 @@
           <a:p>
             <a:pPr lvl="0"/>
             <a:r>
-              <a:rPr lang="en-US" smtClean="0"/>
+              <a:rPr lang="en-US"/>
               <a:t>Edit Master text styles</a:t>
             </a:r>
           </a:p>
           <a:p>
             <a:pPr lvl="1"/>
             <a:r>
-              <a:rPr lang="en-US" smtClean="0"/>
+              <a:rPr lang="en-US"/>
               <a:t>Second level</a:t>
             </a:r>
           </a:p>
           <a:p>
             <a:pPr lvl="2"/>
             <a:r>
-              <a:rPr lang="en-US" smtClean="0"/>
+              <a:rPr lang="en-US"/>
               <a:t>Third level</a:t>
             </a:r>
           </a:p>
           <a:p>
             <a:pPr lvl="3"/>
             <a:r>
-              <a:rPr lang="en-US" smtClean="0"/>
+              <a:rPr lang="en-US"/>
               <a:t>Fourth level</a:t>
             </a:r>
           </a:p>
           <a:p>
             <a:pPr lvl="4"/>
             <a:r>
-              <a:rPr lang="en-US" smtClean="0"/>
+              <a:rPr lang="en-US"/>
               <a:t>Fifth level</a:t>
             </a:r>
             <a:endParaRPr lang="en-US" dirty="0"/>
@@ -4403,35 +4407,35 @@
           <a:p>
             <a:pPr lvl="0"/>
             <a:r>
-              <a:rPr lang="en-US" smtClean="0"/>
+              <a:rPr lang="en-US"/>
               <a:t>Edit Master text styles</a:t>
             </a:r>
           </a:p>
           <a:p>
             <a:pPr lvl="1"/>
             <a:r>
-              <a:rPr lang="en-US" smtClean="0"/>
+              <a:rPr lang="en-US"/>
               <a:t>Second level</a:t>
             </a:r>
           </a:p>
           <a:p>
             <a:pPr lvl="2"/>
             <a:r>
-              <a:rPr lang="en-US" smtClean="0"/>
+              <a:rPr lang="en-US"/>
               <a:t>Third level</a:t>
             </a:r>
           </a:p>
           <a:p>
             <a:pPr lvl="3"/>
             <a:r>
-              <a:rPr lang="en-US" smtClean="0"/>
+              <a:rPr lang="en-US"/>
               <a:t>Fourth level</a:t>
             </a:r>
           </a:p>
           <a:p>
             <a:pPr lvl="4"/>
             <a:r>
-              <a:rPr lang="en-US" smtClean="0"/>
+              <a:rPr lang="en-US"/>
               <a:t>Fifth level</a:t>
             </a:r>
             <a:endParaRPr lang="en-US" dirty="0"/>
@@ -4549,7 +4553,7 @@
           <a:lstStyle/>
           <a:p>
             <a:r>
-              <a:rPr lang="en-US" smtClean="0"/>
+              <a:rPr lang="en-US"/>
               <a:t>Click to edit Master title style</a:t>
             </a:r>
             <a:endParaRPr lang="en-US" dirty="0"/>
@@ -4624,7 +4628,7 @@
           <a:p>
             <a:pPr lvl="0"/>
             <a:r>
-              <a:rPr lang="en-US" smtClean="0"/>
+              <a:rPr lang="en-US"/>
               <a:t>Edit Master text styles</a:t>
             </a:r>
           </a:p>
@@ -4652,35 +4656,35 @@
           <a:p>
             <a:pPr lvl="0"/>
             <a:r>
-              <a:rPr lang="en-US" smtClean="0"/>
+              <a:rPr lang="en-US"/>
               <a:t>Edit Master text styles</a:t>
             </a:r>
           </a:p>
           <a:p>
             <a:pPr lvl="1"/>
             <a:r>
-              <a:rPr lang="en-US" smtClean="0"/>
+              <a:rPr lang="en-US"/>
               <a:t>Second level</a:t>
             </a:r>
           </a:p>
           <a:p>
             <a:pPr lvl="2"/>
             <a:r>
-              <a:rPr lang="en-US" smtClean="0"/>
+              <a:rPr lang="en-US"/>
               <a:t>Third level</a:t>
             </a:r>
           </a:p>
           <a:p>
             <a:pPr lvl="3"/>
             <a:r>
-              <a:rPr lang="en-US" smtClean="0"/>
+              <a:rPr lang="en-US"/>
               <a:t>Fourth level</a:t>
             </a:r>
           </a:p>
           <a:p>
             <a:pPr lvl="4"/>
             <a:r>
-              <a:rPr lang="en-US" smtClean="0"/>
+              <a:rPr lang="en-US"/>
               <a:t>Fifth level</a:t>
             </a:r>
             <a:endParaRPr lang="en-US" dirty="0"/>
@@ -4755,7 +4759,7 @@
           <a:p>
             <a:pPr lvl="0"/>
             <a:r>
-              <a:rPr lang="en-US" smtClean="0"/>
+              <a:rPr lang="en-US"/>
               <a:t>Edit Master text styles</a:t>
             </a:r>
           </a:p>
@@ -4783,35 +4787,35 @@
           <a:p>
             <a:pPr lvl="0"/>
             <a:r>
-              <a:rPr lang="en-US" smtClean="0"/>
+              <a:rPr lang="en-US"/>
               <a:t>Edit Master text styles</a:t>
             </a:r>
           </a:p>
           <a:p>
             <a:pPr lvl="1"/>
             <a:r>
-              <a:rPr lang="en-US" smtClean="0"/>
+              <a:rPr lang="en-US"/>
               <a:t>Second level</a:t>
             </a:r>
           </a:p>
           <a:p>
             <a:pPr lvl="2"/>
             <a:r>
-              <a:rPr lang="en-US" smtClean="0"/>
+              <a:rPr lang="en-US"/>
               <a:t>Third level</a:t>
             </a:r>
           </a:p>
           <a:p>
             <a:pPr lvl="3"/>
             <a:r>
-              <a:rPr lang="en-US" smtClean="0"/>
+              <a:rPr lang="en-US"/>
               <a:t>Fourth level</a:t>
             </a:r>
           </a:p>
           <a:p>
             <a:pPr lvl="4"/>
             <a:r>
-              <a:rPr lang="en-US" smtClean="0"/>
+              <a:rPr lang="en-US"/>
               <a:t>Fifth level</a:t>
             </a:r>
             <a:endParaRPr lang="en-US" dirty="0"/>
@@ -4924,7 +4928,7 @@
           <a:lstStyle/>
           <a:p>
             <a:r>
-              <a:rPr lang="en-US" smtClean="0"/>
+              <a:rPr lang="en-US"/>
               <a:t>Click to edit Master title style</a:t>
             </a:r>
             <a:endParaRPr lang="en-US" dirty="0"/>
@@ -5138,7 +5142,7 @@
           </a:lstStyle>
           <a:p>
             <a:r>
-              <a:rPr lang="en-US" smtClean="0"/>
+              <a:rPr lang="en-US"/>
               <a:t>Click to edit Master title style</a:t>
             </a:r>
             <a:endParaRPr lang="en-US" dirty="0"/>
@@ -5167,35 +5171,35 @@
           <a:p>
             <a:pPr lvl="0"/>
             <a:r>
-              <a:rPr lang="en-US" smtClean="0"/>
+              <a:rPr lang="en-US"/>
               <a:t>Edit Master text styles</a:t>
             </a:r>
           </a:p>
           <a:p>
             <a:pPr lvl="1"/>
             <a:r>
-              <a:rPr lang="en-US" smtClean="0"/>
+              <a:rPr lang="en-US"/>
               <a:t>Second level</a:t>
             </a:r>
           </a:p>
           <a:p>
             <a:pPr lvl="2"/>
             <a:r>
-              <a:rPr lang="en-US" smtClean="0"/>
+              <a:rPr lang="en-US"/>
               <a:t>Third level</a:t>
             </a:r>
           </a:p>
           <a:p>
             <a:pPr lvl="3"/>
             <a:r>
-              <a:rPr lang="en-US" smtClean="0"/>
+              <a:rPr lang="en-US"/>
               <a:t>Fourth level</a:t>
             </a:r>
           </a:p>
           <a:p>
             <a:pPr lvl="4"/>
             <a:r>
-              <a:rPr lang="en-US" smtClean="0"/>
+              <a:rPr lang="en-US"/>
               <a:t>Fifth level</a:t>
             </a:r>
             <a:endParaRPr lang="en-US" dirty="0"/>
@@ -5263,7 +5267,7 @@
           <a:p>
             <a:pPr lvl="0"/>
             <a:r>
-              <a:rPr lang="en-US" smtClean="0"/>
+              <a:rPr lang="en-US"/>
               <a:t>Edit Master text styles</a:t>
             </a:r>
           </a:p>
@@ -5386,7 +5390,7 @@
           </a:lstStyle>
           <a:p>
             <a:r>
-              <a:rPr lang="en-US" smtClean="0"/>
+              <a:rPr lang="en-US"/>
               <a:t>Click to edit Master title style</a:t>
             </a:r>
             <a:endParaRPr lang="en-US" dirty="0"/>
@@ -5459,7 +5463,7 @@
           </a:lstStyle>
           <a:p>
             <a:r>
-              <a:rPr lang="en-US" smtClean="0"/>
+              <a:rPr lang="en-US"/>
               <a:t>Click icon to add picture</a:t>
             </a:r>
             <a:endParaRPr lang="en-US" dirty="0"/>
@@ -5527,7 +5531,7 @@
           <a:p>
             <a:pPr lvl="0"/>
             <a:r>
-              <a:rPr lang="en-US" smtClean="0"/>
+              <a:rPr lang="en-US"/>
               <a:t>Edit Master text styles</a:t>
             </a:r>
           </a:p>
@@ -5844,7 +5848,7 @@
           <a:lstStyle/>
           <a:p>
             <a:r>
-              <a:rPr lang="en-US" smtClean="0"/>
+              <a:rPr lang="en-US"/>
               <a:t>Click to edit Master title style</a:t>
             </a:r>
             <a:endParaRPr lang="en-US" dirty="0"/>
@@ -5878,35 +5882,35 @@
           <a:p>
             <a:pPr lvl="0"/>
             <a:r>
-              <a:rPr lang="en-US" smtClean="0"/>
+              <a:rPr lang="en-US"/>
               <a:t>Edit Master text styles</a:t>
             </a:r>
           </a:p>
           <a:p>
             <a:pPr lvl="1"/>
             <a:r>
-              <a:rPr lang="en-US" smtClean="0"/>
+              <a:rPr lang="en-US"/>
               <a:t>Second level</a:t>
             </a:r>
           </a:p>
           <a:p>
             <a:pPr lvl="2"/>
             <a:r>
-              <a:rPr lang="en-US" smtClean="0"/>
+              <a:rPr lang="en-US"/>
               <a:t>Third level</a:t>
             </a:r>
           </a:p>
           <a:p>
             <a:pPr lvl="3"/>
             <a:r>
-              <a:rPr lang="en-US" smtClean="0"/>
+              <a:rPr lang="en-US"/>
               <a:t>Fourth level</a:t>
             </a:r>
           </a:p>
           <a:p>
             <a:pPr lvl="4"/>
             <a:r>
-              <a:rPr lang="en-US" smtClean="0"/>
+              <a:rPr lang="en-US"/>
               <a:t>Fifth level</a:t>
             </a:r>
             <a:endParaRPr lang="en-US" dirty="0"/>
@@ -6425,18 +6429,13 @@
           <a:lstStyle/>
           <a:p>
             <a:r>
-              <a:rPr lang="en-US" dirty="0" smtClean="0">
+              <a:rPr lang="en-US" dirty="0">
                 <a:solidFill>
                   <a:schemeClr val="tx1"/>
                 </a:solidFill>
               </a:rPr>
               <a:t>Impact on social media on the lives young adults</a:t>
             </a:r>
-            <a:endParaRPr lang="en-US" dirty="0">
-              <a:solidFill>
-                <a:schemeClr val="tx1"/>
-              </a:solidFill>
-            </a:endParaRPr>
           </a:p>
         </p:txBody>
       </p:sp>
@@ -6456,10 +6455,9 @@
           <a:lstStyle/>
           <a:p>
             <a:r>
-              <a:rPr lang="en-US" dirty="0" smtClean="0"/>
+              <a:rPr lang="en-US" dirty="0"/>
               <a:t>Group name : mlb_pg.curtin.02_13</a:t>
             </a:r>
-            <a:endParaRPr lang="en-US" dirty="0"/>
           </a:p>
         </p:txBody>
       </p:sp>
@@ -6473,13 +6471,13 @@
   <p:clrMapOvr>
     <a:masterClrMapping/>
   </p:clrMapOvr>
-  <mc:AlternateContent xmlns:mc="http://schemas.openxmlformats.org/markup-compatibility/2006">
-    <mc:Choice xmlns:p15="http://schemas.microsoft.com/office/powerpoint/2012/main" Requires="p15">
+  <mc:AlternateContent xmlns:mc="http://schemas.openxmlformats.org/markup-compatibility/2006" xmlns:p15="http://schemas.microsoft.com/office/powerpoint/2012/main">
+    <mc:Choice Requires="p15">
       <p:transition xmlns:p14="http://schemas.microsoft.com/office/powerpoint/2010/main" spd="slow" p14:dur="6000">
         <p15:prstTrans prst="curtains"/>
       </p:transition>
     </mc:Choice>
-    <mc:Fallback>
+    <mc:Fallback xmlns="">
       <p:transition spd="slow">
         <p:fade/>
       </p:transition>
@@ -6705,18 +6703,13 @@
           <a:lstStyle/>
           <a:p>
             <a:r>
-              <a:rPr lang="en-US" dirty="0" smtClean="0">
+              <a:rPr lang="en-US" dirty="0">
                 <a:solidFill>
                   <a:schemeClr val="tx1"/>
                 </a:solidFill>
               </a:rPr>
               <a:t>Introduction</a:t>
             </a:r>
-            <a:endParaRPr lang="en-US" dirty="0">
-              <a:solidFill>
-                <a:schemeClr val="tx1"/>
-              </a:solidFill>
-            </a:endParaRPr>
           </a:p>
         </p:txBody>
       </p:sp>
@@ -6736,7 +6729,7 @@
           <a:lstStyle/>
           <a:p>
             <a:r>
-              <a:rPr lang="en-US" dirty="0" smtClean="0"/>
+              <a:rPr lang="en-US" dirty="0"/>
               <a:t>Main objective</a:t>
             </a:r>
           </a:p>
@@ -6753,7 +6746,7 @@
               <a:t>	</a:t>
             </a:r>
             <a:r>
-              <a:rPr lang="en-US" sz="1600" dirty="0" smtClean="0">
+              <a:rPr lang="en-US" sz="1600" dirty="0">
                 <a:solidFill>
                   <a:schemeClr val="bg2"/>
                 </a:solidFill>
@@ -6803,11 +6796,11 @@
           <a:lstStyle/>
           <a:p>
             <a:r>
-              <a:rPr lang="en-US" dirty="0" smtClean="0"/>
+              <a:rPr lang="en-US" dirty="0"/>
               <a:t>IT20197278 - S.A.C.J.W </a:t>
             </a:r>
             <a:r>
-              <a:rPr lang="en-US" dirty="0" err="1" smtClean="0"/>
+              <a:rPr lang="en-US" dirty="0" err="1"/>
               <a:t>Bandara</a:t>
             </a:r>
             <a:endParaRPr lang="en-US" dirty="0"/>
@@ -7115,18 +7108,13 @@
           <a:lstStyle/>
           <a:p>
             <a:r>
-              <a:rPr lang="en-US" dirty="0" smtClean="0">
+              <a:rPr lang="en-US" dirty="0">
                 <a:solidFill>
                   <a:schemeClr val="tx1"/>
                 </a:solidFill>
               </a:rPr>
               <a:t>Social media and mental health</a:t>
             </a:r>
-            <a:endParaRPr lang="en-US" dirty="0">
-              <a:solidFill>
-                <a:schemeClr val="tx1"/>
-              </a:solidFill>
-            </a:endParaRPr>
           </a:p>
         </p:txBody>
       </p:sp>
@@ -7146,7 +7134,7 @@
           <a:lstStyle/>
           <a:p>
             <a:r>
-              <a:rPr lang="en-US" dirty="0" smtClean="0"/>
+              <a:rPr lang="en-US" dirty="0"/>
               <a:t>Main objective</a:t>
             </a:r>
           </a:p>
@@ -7164,30 +7152,14 @@
                   <a:schemeClr val="bg2"/>
                 </a:solidFill>
               </a:rPr>
-              <a:t>discuss the </a:t>
-            </a:r>
-            <a:r>
-              <a:rPr lang="en-US" sz="1600" dirty="0" smtClean="0">
-                <a:solidFill>
-                  <a:schemeClr val="bg2"/>
-                </a:solidFill>
-              </a:rPr>
-              <a:t>advantages and disadvantages </a:t>
-            </a:r>
-            <a:r>
-              <a:rPr lang="en-US" sz="1600" dirty="0">
-                <a:solidFill>
-                  <a:schemeClr val="bg2"/>
-                </a:solidFill>
-              </a:rPr>
-              <a:t>of social media  for mental health.</a:t>
+              <a:t>discuss the advantages and disadvantages of social media  for mental health.</a:t>
             </a:r>
           </a:p>
           <a:p>
             <a:pPr marL="0" indent="0">
               <a:buNone/>
             </a:pPr>
-            <a:endParaRPr lang="en-US" dirty="0" smtClean="0"/>
+            <a:endParaRPr lang="en-US" dirty="0"/>
           </a:p>
         </p:txBody>
       </p:sp>
@@ -7226,7 +7198,7 @@
           <a:lstStyle/>
           <a:p>
             <a:r>
-              <a:rPr lang="en-US" smtClean="0"/>
+              <a:rPr lang="en-US"/>
               <a:t>IT20197278 - S.A.C.J.W Bandara</a:t>
             </a:r>
             <a:endParaRPr lang="en-US" dirty="0"/>
@@ -7243,13 +7215,13 @@
   <p:clrMapOvr>
     <a:masterClrMapping/>
   </p:clrMapOvr>
-  <mc:AlternateContent xmlns:mc="http://schemas.openxmlformats.org/markup-compatibility/2006">
-    <mc:Choice xmlns:p14="http://schemas.microsoft.com/office/powerpoint/2010/main" Requires="p14">
+  <mc:AlternateContent xmlns:mc="http://schemas.openxmlformats.org/markup-compatibility/2006" xmlns:p14="http://schemas.microsoft.com/office/powerpoint/2010/main">
+    <mc:Choice Requires="p14">
       <p:transition spd="slow" p14:dur="3400">
         <p14:reveal/>
       </p:transition>
     </mc:Choice>
-    <mc:Fallback>
+    <mc:Fallback xmlns="">
       <p:transition spd="slow">
         <p:fade/>
       </p:transition>
@@ -7550,18 +7522,13 @@
           <a:lstStyle/>
           <a:p>
             <a:r>
-              <a:rPr lang="en-US" dirty="0" smtClean="0">
+              <a:rPr lang="en-US" dirty="0">
                 <a:solidFill>
                   <a:schemeClr val="tx1"/>
                 </a:solidFill>
               </a:rPr>
               <a:t>The impact of social media on education</a:t>
             </a:r>
-            <a:endParaRPr lang="en-US" dirty="0">
-              <a:solidFill>
-                <a:schemeClr val="tx1"/>
-              </a:solidFill>
-            </a:endParaRPr>
           </a:p>
         </p:txBody>
       </p:sp>
@@ -7581,7 +7548,7 @@
           <a:lstStyle/>
           <a:p>
             <a:r>
-              <a:rPr lang="en-US" dirty="0" smtClean="0"/>
+              <a:rPr lang="en-US" dirty="0"/>
               <a:t>Main objectives</a:t>
             </a:r>
           </a:p>
@@ -7601,11 +7568,6 @@
               </a:rPr>
               <a:t>bad and good side of social media for education and how to use social media well.</a:t>
             </a:r>
-            <a:endParaRPr lang="en-US" sz="1600" dirty="0">
-              <a:solidFill>
-                <a:schemeClr val="bg2"/>
-              </a:solidFill>
-            </a:endParaRPr>
           </a:p>
         </p:txBody>
       </p:sp>
@@ -7649,11 +7611,11 @@
           <a:lstStyle/>
           <a:p>
             <a:r>
-              <a:rPr lang="en-US" dirty="0" smtClean="0"/>
+              <a:rPr lang="en-US" dirty="0"/>
               <a:t>IT20187200 - D.A.L.C </a:t>
             </a:r>
             <a:r>
-              <a:rPr lang="en-US" dirty="0" err="1" smtClean="0"/>
+              <a:rPr lang="en-US" dirty="0" err="1"/>
               <a:t>Dakumpitiya</a:t>
             </a:r>
             <a:endParaRPr lang="en-US" dirty="0"/>
@@ -7670,13 +7632,13 @@
   <p:clrMapOvr>
     <a:masterClrMapping/>
   </p:clrMapOvr>
-  <mc:AlternateContent xmlns:mc="http://schemas.openxmlformats.org/markup-compatibility/2006">
-    <mc:Choice xmlns:p15="http://schemas.microsoft.com/office/powerpoint/2012/main" Requires="p15">
+  <mc:AlternateContent xmlns:mc="http://schemas.openxmlformats.org/markup-compatibility/2006" xmlns:p15="http://schemas.microsoft.com/office/powerpoint/2012/main">
+    <mc:Choice Requires="p15">
       <p:transition xmlns:p14="http://schemas.microsoft.com/office/powerpoint/2010/main" spd="slow" p14:dur="2000">
         <p15:prstTrans prst="fallOver"/>
       </p:transition>
     </mc:Choice>
-    <mc:Fallback>
+    <mc:Fallback xmlns="">
       <p:transition spd="slow">
         <p:fade/>
       </p:transition>
@@ -8018,18 +7980,13 @@
           <a:lstStyle/>
           <a:p>
             <a:r>
-              <a:rPr lang="en-US" dirty="0" smtClean="0">
+              <a:rPr lang="en-US" dirty="0">
                 <a:solidFill>
                   <a:schemeClr val="tx1"/>
                 </a:solidFill>
               </a:rPr>
               <a:t>The impact of social media  on society</a:t>
             </a:r>
-            <a:endParaRPr lang="en-US" dirty="0">
-              <a:solidFill>
-                <a:schemeClr val="tx1"/>
-              </a:solidFill>
-            </a:endParaRPr>
           </a:p>
         </p:txBody>
       </p:sp>
@@ -8049,9 +8006,31 @@
           <a:lstStyle/>
           <a:p>
             <a:r>
-              <a:rPr lang="en-US" dirty="0" smtClean="0"/>
+              <a:rPr lang="en-US" dirty="0"/>
               <a:t>Main objectives</a:t>
             </a:r>
+            <a:br>
+              <a:rPr lang="en-US" dirty="0"/>
+            </a:br>
+            <a:br>
+              <a:rPr lang="en-US" dirty="0"/>
+            </a:br>
+            <a:r>
+              <a:rPr lang="en-US" dirty="0">
+                <a:solidFill>
+                  <a:schemeClr val="bg2"/>
+                </a:solidFill>
+              </a:rPr>
+              <a:t>discuss the impact, positive effects, negative effects of social media  on society.</a:t>
+            </a:r>
+          </a:p>
+          <a:p>
+            <a:br>
+              <a:rPr lang="en-US" dirty="0"/>
+            </a:br>
+            <a:br>
+              <a:rPr lang="en-US" dirty="0"/>
+            </a:br>
             <a:endParaRPr lang="en-US" dirty="0"/>
           </a:p>
         </p:txBody>
@@ -8096,19 +8075,19 @@
           <a:lstStyle/>
           <a:p>
             <a:r>
-              <a:rPr lang="en-US" dirty="0" smtClean="0"/>
+              <a:rPr lang="en-US" dirty="0"/>
               <a:t>IT20062538 - S.A.D </a:t>
             </a:r>
             <a:r>
-              <a:rPr lang="en-US" dirty="0" err="1" smtClean="0"/>
+              <a:rPr lang="en-US" dirty="0" err="1"/>
               <a:t>Ravinda</a:t>
             </a:r>
             <a:r>
-              <a:rPr lang="en-US" dirty="0" smtClean="0"/>
+              <a:rPr lang="en-US" dirty="0"/>
               <a:t> </a:t>
             </a:r>
             <a:r>
-              <a:rPr lang="en-US" dirty="0" err="1" smtClean="0"/>
+              <a:rPr lang="en-US" dirty="0" err="1"/>
               <a:t>Anjana</a:t>
             </a:r>
             <a:endParaRPr lang="en-US" dirty="0"/>
@@ -8125,13 +8104,13 @@
   <p:clrMapOvr>
     <a:masterClrMapping/>
   </p:clrMapOvr>
-  <mc:AlternateContent xmlns:mc="http://schemas.openxmlformats.org/markup-compatibility/2006">
-    <mc:Choice xmlns:p14="http://schemas.microsoft.com/office/powerpoint/2010/main" Requires="p14">
+  <mc:AlternateContent xmlns:mc="http://schemas.openxmlformats.org/markup-compatibility/2006" xmlns:p14="http://schemas.microsoft.com/office/powerpoint/2010/main">
+    <mc:Choice Requires="p14">
       <p:transition spd="slow" p14:dur="1600">
         <p:blinds dir="vert"/>
       </p:transition>
     </mc:Choice>
-    <mc:Fallback>
+    <mc:Fallback xmlns="">
       <p:transition spd="slow">
         <p:blinds dir="vert"/>
       </p:transition>
@@ -8257,19 +8236,71 @@
                             </p:stCondLst>
                             <p:childTnLst>
                               <p:par>
-                                <p:cTn id="13" presetID="16" presetClass="entr" presetSubtype="21" fill="hold" grpId="0" nodeType="afterEffect" nodePh="1">
+                                <p:cTn id="13" presetID="10" presetClass="entr" presetSubtype="0" fill="hold" grpId="0" nodeType="afterEffect">
+                                  <p:stCondLst>
+                                    <p:cond delay="0"/>
+                                  </p:stCondLst>
+                                  <p:childTnLst>
+                                    <p:set>
+                                      <p:cBhvr>
+                                        <p:cTn id="14" dur="1" fill="hold">
+                                          <p:stCondLst>
+                                            <p:cond delay="0"/>
+                                          </p:stCondLst>
+                                        </p:cTn>
+                                        <p:tgtEl>
+                                          <p:spTgt spid="3">
+                                            <p:txEl>
+                                              <p:pRg st="1" end="1"/>
+                                            </p:txEl>
+                                          </p:spTgt>
+                                        </p:tgtEl>
+                                        <p:attrNameLst>
+                                          <p:attrName>style.visibility</p:attrName>
+                                        </p:attrNameLst>
+                                      </p:cBhvr>
+                                      <p:to>
+                                        <p:strVal val="visible"/>
+                                      </p:to>
+                                    </p:set>
+                                    <p:animEffect transition="in" filter="fade">
+                                      <p:cBhvr>
+                                        <p:cTn id="15" dur="500"/>
+                                        <p:tgtEl>
+                                          <p:spTgt spid="3">
+                                            <p:txEl>
+                                              <p:pRg st="1" end="1"/>
+                                            </p:txEl>
+                                          </p:spTgt>
+                                        </p:tgtEl>
+                                      </p:cBhvr>
+                                    </p:animEffect>
+                                  </p:childTnLst>
+                                </p:cTn>
+                              </p:par>
+                            </p:childTnLst>
+                          </p:cTn>
+                        </p:par>
+                        <p:par>
+                          <p:cTn id="16" fill="hold">
+                            <p:stCondLst>
+                              <p:cond delay="3000"/>
+                            </p:stCondLst>
+                            <p:childTnLst>
+                              <p:par>
+                                <p:cTn id="17" presetID="16" presetClass="entr" presetSubtype="21" fill="hold" grpId="0" nodeType="afterEffect" nodePh="1">
                                   <p:stCondLst>
                                     <p:cond delay="0"/>
                                   </p:stCondLst>
                                   <p:endCondLst>
                                     <p:cond evt="begin" delay="0">
-                                      <p:tn val="13"/>
+                                      <p:tn val="17"/>
                                     </p:cond>
                                   </p:endCondLst>
                                   <p:childTnLst>
                                     <p:set>
                                       <p:cBhvr>
-                                        <p:cTn id="14" dur="1" fill="hold">
+                                        <p:cTn id="18" dur="1" fill="hold">
                                           <p:stCondLst>
                                             <p:cond delay="0"/>
                                           </p:stCondLst>
@@ -8291,7 +8322,7 @@
                                     </p:set>
                                     <p:animEffect transition="in" filter="barn(inVertical)">
                                       <p:cBhvr>
-                                        <p:cTn id="15" dur="500"/>
+                                        <p:cTn id="19" dur="500"/>
                                         <p:tgtEl>
                                           <p:spTgt spid="4">
                                             <p:txEl>
@@ -8373,18 +8404,13 @@
           <a:lstStyle/>
           <a:p>
             <a:r>
-              <a:rPr lang="en-US" dirty="0" smtClean="0">
+              <a:rPr lang="en-US" dirty="0">
                 <a:solidFill>
                   <a:schemeClr val="tx1"/>
                 </a:solidFill>
               </a:rPr>
               <a:t>Conclusion </a:t>
             </a:r>
-            <a:endParaRPr lang="en-US" dirty="0">
-              <a:solidFill>
-                <a:schemeClr val="tx1"/>
-              </a:solidFill>
-            </a:endParaRPr>
           </a:p>
         </p:txBody>
       </p:sp>
@@ -8404,7 +8430,7 @@
           <a:lstStyle/>
           <a:p>
             <a:r>
-              <a:rPr lang="en-US" dirty="0" smtClean="0"/>
+              <a:rPr lang="en-US" dirty="0"/>
               <a:t>Main objectives</a:t>
             </a:r>
           </a:p>
@@ -8424,11 +8450,6 @@
               </a:rPr>
               <a:t>get a start for an end.</a:t>
             </a:r>
-            <a:endParaRPr lang="en-US" sz="1600" dirty="0">
-              <a:solidFill>
-                <a:schemeClr val="bg2"/>
-              </a:solidFill>
-            </a:endParaRPr>
           </a:p>
         </p:txBody>
       </p:sp>
@@ -8472,11 +8493,11 @@
           <a:lstStyle/>
           <a:p>
             <a:r>
-              <a:rPr lang="en-US" dirty="0" smtClean="0"/>
+              <a:rPr lang="en-US" dirty="0"/>
               <a:t>IT20187200 - D.A.L.C </a:t>
             </a:r>
             <a:r>
-              <a:rPr lang="en-US" dirty="0" err="1" smtClean="0"/>
+              <a:rPr lang="en-US" dirty="0" err="1"/>
               <a:t>Dakumpitiya</a:t>
             </a:r>
             <a:endParaRPr lang="en-US" dirty="0"/>
@@ -8493,13 +8514,13 @@
   <p:clrMapOvr>
     <a:masterClrMapping/>
   </p:clrMapOvr>
-  <mc:AlternateContent xmlns:mc="http://schemas.openxmlformats.org/markup-compatibility/2006">
-    <mc:Choice xmlns:p15="http://schemas.microsoft.com/office/powerpoint/2012/main" Requires="p15">
+  <mc:AlternateContent xmlns:mc="http://schemas.openxmlformats.org/markup-compatibility/2006" xmlns:p15="http://schemas.microsoft.com/office/powerpoint/2012/main">
+    <mc:Choice Requires="p15">
       <p:transition xmlns:p14="http://schemas.microsoft.com/office/powerpoint/2010/main" spd="slow" p14:dur="2000">
         <p15:prstTrans prst="fracture"/>
       </p:transition>
     </mc:Choice>
-    <mc:Fallback>
+    <mc:Fallback xmlns="">
       <p:transition spd="slow">
         <p:fade/>
       </p:transition>
@@ -8811,10 +8832,10 @@
   <a:themeElements>
     <a:clrScheme name="Main Event">
       <a:dk1>
-        <a:sysClr val="windowText" lastClr="DEDEDE"/>
+        <a:sysClr val="windowText" lastClr="000000"/>
       </a:dk1>
       <a:lt1>
-        <a:sysClr val="window" lastClr="2B3544"/>
+        <a:sysClr val="window" lastClr="FFFFFF"/>
       </a:lt1>
       <a:dk2>
         <a:srgbClr val="424242"/>
@@ -9038,10 +9059,10 @@
   <a:themeElements>
     <a:clrScheme name="Office">
       <a:dk1>
-        <a:sysClr val="windowText" lastClr="DEDEDE"/>
+        <a:sysClr val="windowText" lastClr="000000"/>
       </a:dk1>
       <a:lt1>
-        <a:sysClr val="window" lastClr="2B3544"/>
+        <a:sysClr val="window" lastClr="FFFFFF"/>
       </a:lt1>
       <a:dk2>
         <a:srgbClr val="44546A"/>
